--- a/img/Presentation1.pptx
+++ b/img/Presentation1.pptx
@@ -114,6 +114,11 @@
       </a:defRPr>
     </a:lvl9pPr>
   </p:defaultTextStyle>
+  <p:extLst>
+    <p:ext uri="{EFAFB233-063F-42B5-8137-9DF3F51BA10A}">
+      <p15:sldGuideLst xmlns:p15="http://schemas.microsoft.com/office/powerpoint/2012/main"/>
+    </p:ext>
+  </p:extLst>
 </p:presentation>
 </file>
 
@@ -266,7 +271,7 @@
           <a:p>
             <a:fld id="{114DA79C-DE66-40A6-AFDF-6DD1BFBFDE49}" type="datetimeFigureOut">
               <a:rPr lang="nl-NL" smtClean="0"/>
-              <a:t>27-1-2025</a:t>
+              <a:t>31-1-2025</a:t>
             </a:fld>
             <a:endParaRPr lang="nl-NL"/>
           </a:p>
@@ -466,7 +471,7 @@
           <a:p>
             <a:fld id="{114DA79C-DE66-40A6-AFDF-6DD1BFBFDE49}" type="datetimeFigureOut">
               <a:rPr lang="nl-NL" smtClean="0"/>
-              <a:t>27-1-2025</a:t>
+              <a:t>31-1-2025</a:t>
             </a:fld>
             <a:endParaRPr lang="nl-NL"/>
           </a:p>
@@ -676,7 +681,7 @@
           <a:p>
             <a:fld id="{114DA79C-DE66-40A6-AFDF-6DD1BFBFDE49}" type="datetimeFigureOut">
               <a:rPr lang="nl-NL" smtClean="0"/>
-              <a:t>27-1-2025</a:t>
+              <a:t>31-1-2025</a:t>
             </a:fld>
             <a:endParaRPr lang="nl-NL"/>
           </a:p>
@@ -876,7 +881,7 @@
           <a:p>
             <a:fld id="{114DA79C-DE66-40A6-AFDF-6DD1BFBFDE49}" type="datetimeFigureOut">
               <a:rPr lang="nl-NL" smtClean="0"/>
-              <a:t>27-1-2025</a:t>
+              <a:t>31-1-2025</a:t>
             </a:fld>
             <a:endParaRPr lang="nl-NL"/>
           </a:p>
@@ -1152,7 +1157,7 @@
           <a:p>
             <a:fld id="{114DA79C-DE66-40A6-AFDF-6DD1BFBFDE49}" type="datetimeFigureOut">
               <a:rPr lang="nl-NL" smtClean="0"/>
-              <a:t>27-1-2025</a:t>
+              <a:t>31-1-2025</a:t>
             </a:fld>
             <a:endParaRPr lang="nl-NL"/>
           </a:p>
@@ -1420,7 +1425,7 @@
           <a:p>
             <a:fld id="{114DA79C-DE66-40A6-AFDF-6DD1BFBFDE49}" type="datetimeFigureOut">
               <a:rPr lang="nl-NL" smtClean="0"/>
-              <a:t>27-1-2025</a:t>
+              <a:t>31-1-2025</a:t>
             </a:fld>
             <a:endParaRPr lang="nl-NL"/>
           </a:p>
@@ -1835,7 +1840,7 @@
           <a:p>
             <a:fld id="{114DA79C-DE66-40A6-AFDF-6DD1BFBFDE49}" type="datetimeFigureOut">
               <a:rPr lang="nl-NL" smtClean="0"/>
-              <a:t>27-1-2025</a:t>
+              <a:t>31-1-2025</a:t>
             </a:fld>
             <a:endParaRPr lang="nl-NL"/>
           </a:p>
@@ -1977,7 +1982,7 @@
           <a:p>
             <a:fld id="{114DA79C-DE66-40A6-AFDF-6DD1BFBFDE49}" type="datetimeFigureOut">
               <a:rPr lang="nl-NL" smtClean="0"/>
-              <a:t>27-1-2025</a:t>
+              <a:t>31-1-2025</a:t>
             </a:fld>
             <a:endParaRPr lang="nl-NL"/>
           </a:p>
@@ -2090,7 +2095,7 @@
           <a:p>
             <a:fld id="{114DA79C-DE66-40A6-AFDF-6DD1BFBFDE49}" type="datetimeFigureOut">
               <a:rPr lang="nl-NL" smtClean="0"/>
-              <a:t>27-1-2025</a:t>
+              <a:t>31-1-2025</a:t>
             </a:fld>
             <a:endParaRPr lang="nl-NL"/>
           </a:p>
@@ -2403,7 +2408,7 @@
           <a:p>
             <a:fld id="{114DA79C-DE66-40A6-AFDF-6DD1BFBFDE49}" type="datetimeFigureOut">
               <a:rPr lang="nl-NL" smtClean="0"/>
-              <a:t>27-1-2025</a:t>
+              <a:t>31-1-2025</a:t>
             </a:fld>
             <a:endParaRPr lang="nl-NL"/>
           </a:p>
@@ -2692,7 +2697,7 @@
           <a:p>
             <a:fld id="{114DA79C-DE66-40A6-AFDF-6DD1BFBFDE49}" type="datetimeFigureOut">
               <a:rPr lang="nl-NL" smtClean="0"/>
-              <a:t>27-1-2025</a:t>
+              <a:t>31-1-2025</a:t>
             </a:fld>
             <a:endParaRPr lang="nl-NL"/>
           </a:p>
@@ -2935,7 +2940,7 @@
           <a:p>
             <a:fld id="{114DA79C-DE66-40A6-AFDF-6DD1BFBFDE49}" type="datetimeFigureOut">
               <a:rPr lang="nl-NL" smtClean="0"/>
-              <a:t>27-1-2025</a:t>
+              <a:t>31-1-2025</a:t>
             </a:fld>
             <a:endParaRPr lang="nl-NL"/>
           </a:p>
@@ -4228,8 +4233,63 @@
           <a:prstGeom prst="rect">
             <a:avLst/>
           </a:prstGeom>
+          <a:ln>
+            <a:solidFill>
+              <a:schemeClr val="accent1"/>
+            </a:solidFill>
+          </a:ln>
         </p:spPr>
       </p:pic>
+      <p:sp>
+        <p:nvSpPr>
+          <p:cNvPr id="2" name="Rectangle 1">
+            <a:extLst>
+              <a:ext uri="{FF2B5EF4-FFF2-40B4-BE49-F238E27FC236}">
+                <a16:creationId xmlns:a16="http://schemas.microsoft.com/office/drawing/2014/main" id="{F02D1512-47AF-573E-513A-5C417F969C1A}"/>
+              </a:ext>
+            </a:extLst>
+          </p:cNvPr>
+          <p:cNvSpPr/>
+          <p:nvPr/>
+        </p:nvSpPr>
+        <p:spPr>
+          <a:xfrm>
+            <a:off x="6990080" y="1330960"/>
+            <a:ext cx="944880" cy="375920"/>
+          </a:xfrm>
+          <a:prstGeom prst="rect">
+            <a:avLst/>
+          </a:prstGeom>
+          <a:noFill/>
+          <a:ln w="44450">
+            <a:solidFill>
+              <a:srgbClr val="FF0000"/>
+            </a:solidFill>
+          </a:ln>
+        </p:spPr>
+        <p:style>
+          <a:lnRef idx="2">
+            <a:schemeClr val="accent6"/>
+          </a:lnRef>
+          <a:fillRef idx="1">
+            <a:schemeClr val="lt1"/>
+          </a:fillRef>
+          <a:effectRef idx="0">
+            <a:schemeClr val="accent6"/>
+          </a:effectRef>
+          <a:fontRef idx="minor">
+            <a:schemeClr val="dk1"/>
+          </a:fontRef>
+        </p:style>
+        <p:txBody>
+          <a:bodyPr rtlCol="0" anchor="ctr"/>
+          <a:lstStyle/>
+          <a:p>
+            <a:pPr algn="ctr"/>
+            <a:endParaRPr lang="nl-NL"/>
+          </a:p>
+        </p:txBody>
+      </p:sp>
     </p:spTree>
     <p:extLst>
       <p:ext uri="{BB962C8B-B14F-4D97-AF65-F5344CB8AC3E}">
